--- a/WifiPositioning/docs/WIFI POSITIONING.pptx
+++ b/WifiPositioning/docs/WIFI POSITIONING.pptx
@@ -3749,6 +3749,34 @@
           </a:p>
         </p:txBody>
       </p:sp>
+      <p:sp>
+        <p:nvSpPr>
+          <p:cNvPr id="4" name="Rectangle 3"/>
+          <p:cNvSpPr/>
+          <p:nvPr/>
+        </p:nvSpPr>
+        <p:spPr>
+          <a:xfrm>
+            <a:off x="2435582" y="3244334"/>
+            <a:ext cx="4272836" cy="369332"/>
+          </a:xfrm>
+          <a:prstGeom prst="rect">
+            <a:avLst/>
+          </a:prstGeom>
+        </p:spPr>
+        <p:txBody>
+          <a:bodyPr wrap="none">
+            <a:spAutoFit/>
+          </a:bodyPr>
+          <a:lstStyle/>
+          <a:p>
+            <a:r>
+              <a:rPr lang="en-US" dirty="0"/>
+              <a:t>http://code.google.com/p/wifi-positioning/</a:t>
+            </a:r>
+          </a:p>
+        </p:txBody>
+      </p:sp>
     </p:spTree>
     <p:extLst>
       <p:ext uri="{BB962C8B-B14F-4D97-AF65-F5344CB8AC3E}">
@@ -3822,7 +3850,7 @@
         <p:spPr/>
         <p:txBody>
           <a:bodyPr>
-            <a:normAutofit lnSpcReduction="10000"/>
+            <a:normAutofit/>
           </a:bodyPr>
           <a:lstStyle/>
           <a:p>
@@ -3850,21 +3878,9 @@
             </a:r>
           </a:p>
           <a:p>
-            <a:endParaRPr lang="en-US" dirty="0"/>
-          </a:p>
-          <a:p>
-            <a:endParaRPr lang="en-US" dirty="0" smtClean="0"/>
-          </a:p>
-          <a:p>
             <a:pPr marL="0" indent="0">
               <a:buNone/>
             </a:pPr>
-            <a:r>
-              <a:rPr lang="en-US" i="1" dirty="0" smtClean="0"/>
-              <a:t>(Want source code? Contact Us)</a:t>
-            </a:r>
-          </a:p>
-          <a:p>
             <a:endParaRPr lang="en-US" dirty="0"/>
           </a:p>
         </p:txBody>
